--- a/MyResources/Photos/option_button_background.pptx
+++ b/MyResources/Photos/option_button_background.pptx
@@ -5,13 +5,14 @@
     <p:sldMasterId id="2147483648" r:id="rId1"/>
   </p:sldMasterIdLst>
   <p:notesMasterIdLst>
-    <p:notesMasterId r:id="rId6"/>
+    <p:notesMasterId r:id="rId7"/>
   </p:notesMasterIdLst>
   <p:sldIdLst>
     <p:sldId id="256" r:id="rId2"/>
     <p:sldId id="257" r:id="rId3"/>
     <p:sldId id="258" r:id="rId4"/>
     <p:sldId id="259" r:id="rId5"/>
+    <p:sldId id="260" r:id="rId6"/>
   </p:sldIdLst>
   <p:sldSz cx="9144000" cy="6858000" type="screen4x3"/>
   <p:notesSz cx="6858000" cy="9144000"/>
@@ -195,7 +196,8 @@
           <a:p>
             <a:fld id="{2595E8A8-9250-489E-9196-FEE9510F4750}" type="datetimeFigureOut">
               <a:rPr lang="en-US" smtClean="0"/>
-              <a:t>10/2/2014</a:t>
+              <a:pPr/>
+              <a:t>10/6/2014</a:t>
             </a:fld>
             <a:endParaRPr lang="en-GB"/>
           </a:p>
@@ -356,6 +358,7 @@
           <a:p>
             <a:fld id="{867F5365-343D-4C8E-9A0E-D0D0CEF833B7}" type="slidenum">
               <a:rPr lang="en-GB" smtClean="0"/>
+              <a:pPr/>
               <a:t>‹#›</a:t>
             </a:fld>
             <a:endParaRPr lang="en-GB"/>
@@ -527,6 +530,7 @@
           <a:p>
             <a:fld id="{867F5365-343D-4C8E-9A0E-D0D0CEF833B7}" type="slidenum">
               <a:rPr lang="en-GB" smtClean="0"/>
+              <a:pPr/>
               <a:t>3</a:t>
             </a:fld>
             <a:endParaRPr lang="en-GB"/>
@@ -723,7 +727,7 @@
             <a:fld id="{182DCE58-1EE4-4F6A-9F88-9A98213D1664}" type="datetimeFigureOut">
               <a:rPr lang="en-US" smtClean="0"/>
               <a:pPr/>
-              <a:t>10/2/2014</a:t>
+              <a:t>10/6/2014</a:t>
             </a:fld>
             <a:endParaRPr lang="en-GB"/>
           </a:p>
@@ -890,7 +894,7 @@
             <a:fld id="{182DCE58-1EE4-4F6A-9F88-9A98213D1664}" type="datetimeFigureOut">
               <a:rPr lang="en-US" smtClean="0"/>
               <a:pPr/>
-              <a:t>10/2/2014</a:t>
+              <a:t>10/6/2014</a:t>
             </a:fld>
             <a:endParaRPr lang="en-GB"/>
           </a:p>
@@ -1067,7 +1071,7 @@
             <a:fld id="{182DCE58-1EE4-4F6A-9F88-9A98213D1664}" type="datetimeFigureOut">
               <a:rPr lang="en-US" smtClean="0"/>
               <a:pPr/>
-              <a:t>10/2/2014</a:t>
+              <a:t>10/6/2014</a:t>
             </a:fld>
             <a:endParaRPr lang="en-GB"/>
           </a:p>
@@ -1234,7 +1238,7 @@
             <a:fld id="{182DCE58-1EE4-4F6A-9F88-9A98213D1664}" type="datetimeFigureOut">
               <a:rPr lang="en-US" smtClean="0"/>
               <a:pPr/>
-              <a:t>10/2/2014</a:t>
+              <a:t>10/6/2014</a:t>
             </a:fld>
             <a:endParaRPr lang="en-GB"/>
           </a:p>
@@ -1477,7 +1481,7 @@
             <a:fld id="{182DCE58-1EE4-4F6A-9F88-9A98213D1664}" type="datetimeFigureOut">
               <a:rPr lang="en-US" smtClean="0"/>
               <a:pPr/>
-              <a:t>10/2/2014</a:t>
+              <a:t>10/6/2014</a:t>
             </a:fld>
             <a:endParaRPr lang="en-GB"/>
           </a:p>
@@ -1762,7 +1766,7 @@
             <a:fld id="{182DCE58-1EE4-4F6A-9F88-9A98213D1664}" type="datetimeFigureOut">
               <a:rPr lang="en-US" smtClean="0"/>
               <a:pPr/>
-              <a:t>10/2/2014</a:t>
+              <a:t>10/6/2014</a:t>
             </a:fld>
             <a:endParaRPr lang="en-GB"/>
           </a:p>
@@ -2181,7 +2185,7 @@
             <a:fld id="{182DCE58-1EE4-4F6A-9F88-9A98213D1664}" type="datetimeFigureOut">
               <a:rPr lang="en-US" smtClean="0"/>
               <a:pPr/>
-              <a:t>10/2/2014</a:t>
+              <a:t>10/6/2014</a:t>
             </a:fld>
             <a:endParaRPr lang="en-GB"/>
           </a:p>
@@ -2296,7 +2300,7 @@
             <a:fld id="{182DCE58-1EE4-4F6A-9F88-9A98213D1664}" type="datetimeFigureOut">
               <a:rPr lang="en-US" smtClean="0"/>
               <a:pPr/>
-              <a:t>10/2/2014</a:t>
+              <a:t>10/6/2014</a:t>
             </a:fld>
             <a:endParaRPr lang="en-GB"/>
           </a:p>
@@ -2388,7 +2392,7 @@
             <a:fld id="{182DCE58-1EE4-4F6A-9F88-9A98213D1664}" type="datetimeFigureOut">
               <a:rPr lang="en-US" smtClean="0"/>
               <a:pPr/>
-              <a:t>10/2/2014</a:t>
+              <a:t>10/6/2014</a:t>
             </a:fld>
             <a:endParaRPr lang="en-GB"/>
           </a:p>
@@ -2662,7 +2666,7 @@
             <a:fld id="{182DCE58-1EE4-4F6A-9F88-9A98213D1664}" type="datetimeFigureOut">
               <a:rPr lang="en-US" smtClean="0"/>
               <a:pPr/>
-              <a:t>10/2/2014</a:t>
+              <a:t>10/6/2014</a:t>
             </a:fld>
             <a:endParaRPr lang="en-GB"/>
           </a:p>
@@ -2912,7 +2916,7 @@
             <a:fld id="{182DCE58-1EE4-4F6A-9F88-9A98213D1664}" type="datetimeFigureOut">
               <a:rPr lang="en-US" smtClean="0"/>
               <a:pPr/>
-              <a:t>10/2/2014</a:t>
+              <a:t>10/6/2014</a:t>
             </a:fld>
             <a:endParaRPr lang="en-GB"/>
           </a:p>
@@ -3122,7 +3126,7 @@
             <a:fld id="{182DCE58-1EE4-4F6A-9F88-9A98213D1664}" type="datetimeFigureOut">
               <a:rPr lang="en-US" smtClean="0"/>
               <a:pPr/>
-              <a:t>10/2/2014</a:t>
+              <a:t>10/6/2014</a:t>
             </a:fld>
             <a:endParaRPr lang="en-GB"/>
           </a:p>
@@ -3750,36 +3754,404 @@
           <a:chExt cx="0" cy="0"/>
         </a:xfrm>
       </p:grpSpPr>
+      <p:sp>
+        <p:nvSpPr>
+          <p:cNvPr id="3" name="Flowchart: Preparation 2"/>
+          <p:cNvSpPr/>
+          <p:nvPr/>
+        </p:nvSpPr>
+        <p:spPr>
+          <a:xfrm>
+            <a:off x="642910" y="2285992"/>
+            <a:ext cx="8072494" cy="2000264"/>
+          </a:xfrm>
+          <a:prstGeom prst="flowChartPreparation">
+            <a:avLst/>
+          </a:prstGeom>
+          <a:solidFill>
+            <a:schemeClr val="bg1"/>
+          </a:solidFill>
+        </p:spPr>
+        <p:style>
+          <a:lnRef idx="2">
+            <a:schemeClr val="accent1">
+              <a:shade val="50000"/>
+            </a:schemeClr>
+          </a:lnRef>
+          <a:fillRef idx="1">
+            <a:schemeClr val="accent1"/>
+          </a:fillRef>
+          <a:effectRef idx="0">
+            <a:schemeClr val="accent1"/>
+          </a:effectRef>
+          <a:fontRef idx="minor">
+            <a:schemeClr val="lt1"/>
+          </a:fontRef>
+        </p:style>
+        <p:txBody>
+          <a:bodyPr rtlCol="0" anchor="ctr"/>
+          <a:lstStyle/>
+          <a:p>
+            <a:pPr algn="ctr"/>
+            <a:endParaRPr lang="en-GB"/>
+          </a:p>
+        </p:txBody>
+      </p:sp>
+      <p:sp>
+        <p:nvSpPr>
+          <p:cNvPr id="4" name="Flowchart: Preparation 3"/>
+          <p:cNvSpPr/>
+          <p:nvPr/>
+        </p:nvSpPr>
+        <p:spPr>
+          <a:xfrm>
+            <a:off x="928662" y="2428868"/>
+            <a:ext cx="7500990" cy="1714512"/>
+          </a:xfrm>
+          <a:prstGeom prst="flowChartPreparation">
+            <a:avLst/>
+          </a:prstGeom>
+          <a:solidFill>
+            <a:srgbClr val="FF0000"/>
+          </a:solidFill>
+        </p:spPr>
+        <p:style>
+          <a:lnRef idx="2">
+            <a:schemeClr val="accent1">
+              <a:shade val="50000"/>
+            </a:schemeClr>
+          </a:lnRef>
+          <a:fillRef idx="1">
+            <a:schemeClr val="accent1"/>
+          </a:fillRef>
+          <a:effectRef idx="0">
+            <a:schemeClr val="accent1"/>
+          </a:effectRef>
+          <a:fontRef idx="minor">
+            <a:schemeClr val="lt1"/>
+          </a:fontRef>
+        </p:style>
+        <p:txBody>
+          <a:bodyPr rtlCol="0" anchor="ctr"/>
+          <a:lstStyle/>
+          <a:p>
+            <a:pPr algn="ctr"/>
+            <a:endParaRPr lang="en-GB"/>
+          </a:p>
+        </p:txBody>
+      </p:sp>
+    </p:spTree>
+  </p:cSld>
+  <p:clrMapOvr>
+    <a:masterClrMapping/>
+  </p:clrMapOvr>
+</p:sld>
+</file>
+
+<file path=ppt/slides/slide4.xml><?xml version="1.0" encoding="utf-8"?>
+<p:sld xmlns:a="http://schemas.openxmlformats.org/drawingml/2006/main" xmlns:r="http://schemas.openxmlformats.org/officeDocument/2006/relationships" xmlns:p="http://schemas.openxmlformats.org/presentationml/2006/main">
+  <p:cSld>
+    <p:spTree>
+      <p:nvGrpSpPr>
+        <p:cNvPr id="1" name=""/>
+        <p:cNvGrpSpPr/>
+        <p:nvPr/>
+      </p:nvGrpSpPr>
+      <p:grpSpPr>
+        <a:xfrm>
+          <a:off x="0" y="0"/>
+          <a:ext cx="0" cy="0"/>
+          <a:chOff x="0" y="0"/>
+          <a:chExt cx="0" cy="0"/>
+        </a:xfrm>
+      </p:grpSpPr>
+      <p:sp>
+        <p:nvSpPr>
+          <p:cNvPr id="2" name="Flowchart: Preparation 1"/>
+          <p:cNvSpPr/>
+          <p:nvPr/>
+        </p:nvSpPr>
+        <p:spPr>
+          <a:xfrm>
+            <a:off x="642910" y="2285992"/>
+            <a:ext cx="8072494" cy="2000264"/>
+          </a:xfrm>
+          <a:prstGeom prst="flowChartPreparation">
+            <a:avLst/>
+          </a:prstGeom>
+          <a:solidFill>
+            <a:schemeClr val="bg1"/>
+          </a:solidFill>
+        </p:spPr>
+        <p:style>
+          <a:lnRef idx="2">
+            <a:schemeClr val="accent1">
+              <a:shade val="50000"/>
+            </a:schemeClr>
+          </a:lnRef>
+          <a:fillRef idx="1">
+            <a:schemeClr val="accent1"/>
+          </a:fillRef>
+          <a:effectRef idx="0">
+            <a:schemeClr val="accent1"/>
+          </a:effectRef>
+          <a:fontRef idx="minor">
+            <a:schemeClr val="lt1"/>
+          </a:fontRef>
+        </p:style>
+        <p:txBody>
+          <a:bodyPr rtlCol="0" anchor="ctr"/>
+          <a:lstStyle/>
+          <a:p>
+            <a:pPr algn="ctr"/>
+            <a:endParaRPr lang="en-GB"/>
+          </a:p>
+        </p:txBody>
+      </p:sp>
+      <p:sp>
+        <p:nvSpPr>
+          <p:cNvPr id="3" name="Flowchart: Preparation 2"/>
+          <p:cNvSpPr/>
+          <p:nvPr/>
+        </p:nvSpPr>
+        <p:spPr>
+          <a:xfrm>
+            <a:off x="928662" y="2428868"/>
+            <a:ext cx="7500990" cy="1714512"/>
+          </a:xfrm>
+          <a:prstGeom prst="flowChartPreparation">
+            <a:avLst/>
+          </a:prstGeom>
+          <a:solidFill>
+            <a:srgbClr val="64FA32"/>
+          </a:solidFill>
+        </p:spPr>
+        <p:style>
+          <a:lnRef idx="2">
+            <a:schemeClr val="accent1">
+              <a:shade val="50000"/>
+            </a:schemeClr>
+          </a:lnRef>
+          <a:fillRef idx="1">
+            <a:schemeClr val="accent1"/>
+          </a:fillRef>
+          <a:effectRef idx="0">
+            <a:schemeClr val="accent1"/>
+          </a:effectRef>
+          <a:fontRef idx="minor">
+            <a:schemeClr val="lt1"/>
+          </a:fontRef>
+        </p:style>
+        <p:txBody>
+          <a:bodyPr rtlCol="0" anchor="ctr"/>
+          <a:lstStyle/>
+          <a:p>
+            <a:pPr algn="ctr"/>
+            <a:endParaRPr lang="en-GB"/>
+          </a:p>
+        </p:txBody>
+      </p:sp>
+    </p:spTree>
+  </p:cSld>
+  <p:clrMapOvr>
+    <a:masterClrMapping/>
+  </p:clrMapOvr>
+</p:sld>
+</file>
+
+<file path=ppt/slides/slide5.xml><?xml version="1.0" encoding="utf-8"?>
+<p:sld xmlns:a="http://schemas.openxmlformats.org/drawingml/2006/main" xmlns:r="http://schemas.openxmlformats.org/officeDocument/2006/relationships" xmlns:p="http://schemas.openxmlformats.org/presentationml/2006/main">
+  <p:cSld>
+    <p:spTree>
+      <p:nvGrpSpPr>
+        <p:cNvPr id="1" name=""/>
+        <p:cNvGrpSpPr/>
+        <p:nvPr/>
+      </p:nvGrpSpPr>
+      <p:grpSpPr>
+        <a:xfrm>
+          <a:off x="0" y="0"/>
+          <a:ext cx="0" cy="0"/>
+          <a:chOff x="0" y="0"/>
+          <a:chExt cx="0" cy="0"/>
+        </a:xfrm>
+      </p:grpSpPr>
       <p:grpSp>
         <p:nvGrpSpPr>
-          <p:cNvPr id="5" name="Group 4"/>
+          <p:cNvPr id="15" name="Group 14"/>
           <p:cNvGrpSpPr/>
           <p:nvPr/>
         </p:nvGrpSpPr>
         <p:grpSpPr>
           <a:xfrm>
-            <a:off x="642910" y="2285992"/>
-            <a:ext cx="8072494" cy="2000264"/>
-            <a:chOff x="642910" y="2285992"/>
-            <a:chExt cx="8072494" cy="2000264"/>
+            <a:off x="2000232" y="785794"/>
+            <a:ext cx="4929222" cy="4929222"/>
+            <a:chOff x="2000232" y="785794"/>
+            <a:chExt cx="4929222" cy="4929222"/>
           </a:xfrm>
         </p:grpSpPr>
+        <p:grpSp>
+          <p:nvGrpSpPr>
+            <p:cNvPr id="13" name="Group 12"/>
+            <p:cNvGrpSpPr/>
+            <p:nvPr/>
+          </p:nvGrpSpPr>
+          <p:grpSpPr>
+            <a:xfrm>
+              <a:off x="3143240" y="785794"/>
+              <a:ext cx="3786214" cy="714380"/>
+              <a:chOff x="3143240" y="785794"/>
+              <a:chExt cx="3786214" cy="714380"/>
+            </a:xfrm>
+          </p:grpSpPr>
+          <p:sp>
+            <p:nvSpPr>
+              <p:cNvPr id="9" name="Rounded Rectangle 8"/>
+              <p:cNvSpPr/>
+              <p:nvPr/>
+            </p:nvSpPr>
+            <p:spPr>
+              <a:xfrm>
+                <a:off x="3286116" y="1000108"/>
+                <a:ext cx="3500462" cy="214314"/>
+              </a:xfrm>
+              <a:prstGeom prst="roundRect">
+                <a:avLst/>
+              </a:prstGeom>
+              <a:solidFill>
+                <a:srgbClr val="FD1301"/>
+              </a:solidFill>
+            </p:spPr>
+            <p:style>
+              <a:lnRef idx="2">
+                <a:schemeClr val="accent1">
+                  <a:shade val="50000"/>
+                </a:schemeClr>
+              </a:lnRef>
+              <a:fillRef idx="1">
+                <a:schemeClr val="accent1"/>
+              </a:fillRef>
+              <a:effectRef idx="0">
+                <a:schemeClr val="accent1"/>
+              </a:effectRef>
+              <a:fontRef idx="minor">
+                <a:schemeClr val="lt1"/>
+              </a:fontRef>
+            </p:style>
+            <p:txBody>
+              <a:bodyPr rtlCol="0" anchor="ctr"/>
+              <a:lstStyle/>
+              <a:p>
+                <a:pPr algn="ctr"/>
+                <a:endParaRPr lang="en-GB"/>
+              </a:p>
+            </p:txBody>
+          </p:sp>
+          <p:sp>
+            <p:nvSpPr>
+              <p:cNvPr id="10" name="Oval 9"/>
+              <p:cNvSpPr/>
+              <p:nvPr/>
+            </p:nvSpPr>
+            <p:spPr>
+              <a:xfrm>
+                <a:off x="3143240" y="785794"/>
+                <a:ext cx="285752" cy="714380"/>
+              </a:xfrm>
+              <a:prstGeom prst="ellipse">
+                <a:avLst/>
+              </a:prstGeom>
+              <a:solidFill>
+                <a:srgbClr val="FD1301"/>
+              </a:solidFill>
+            </p:spPr>
+            <p:style>
+              <a:lnRef idx="2">
+                <a:schemeClr val="accent1">
+                  <a:shade val="50000"/>
+                </a:schemeClr>
+              </a:lnRef>
+              <a:fillRef idx="1">
+                <a:schemeClr val="accent1"/>
+              </a:fillRef>
+              <a:effectRef idx="0">
+                <a:schemeClr val="accent1"/>
+              </a:effectRef>
+              <a:fontRef idx="minor">
+                <a:schemeClr val="lt1"/>
+              </a:fontRef>
+            </p:style>
+            <p:txBody>
+              <a:bodyPr rtlCol="0" anchor="ctr"/>
+              <a:lstStyle/>
+              <a:p>
+                <a:pPr algn="ctr"/>
+                <a:endParaRPr lang="en-GB"/>
+              </a:p>
+            </p:txBody>
+          </p:sp>
+          <p:sp>
+            <p:nvSpPr>
+              <p:cNvPr id="11" name="Oval 10"/>
+              <p:cNvSpPr/>
+              <p:nvPr/>
+            </p:nvSpPr>
+            <p:spPr>
+              <a:xfrm>
+                <a:off x="6643702" y="785794"/>
+                <a:ext cx="285752" cy="714380"/>
+              </a:xfrm>
+              <a:prstGeom prst="ellipse">
+                <a:avLst/>
+              </a:prstGeom>
+              <a:solidFill>
+                <a:srgbClr val="FD1301"/>
+              </a:solidFill>
+            </p:spPr>
+            <p:style>
+              <a:lnRef idx="2">
+                <a:schemeClr val="accent1">
+                  <a:shade val="50000"/>
+                </a:schemeClr>
+              </a:lnRef>
+              <a:fillRef idx="1">
+                <a:schemeClr val="accent1"/>
+              </a:fillRef>
+              <a:effectRef idx="0">
+                <a:schemeClr val="accent1"/>
+              </a:effectRef>
+              <a:fontRef idx="minor">
+                <a:schemeClr val="lt1"/>
+              </a:fontRef>
+            </p:style>
+            <p:txBody>
+              <a:bodyPr rtlCol="0" anchor="ctr"/>
+              <a:lstStyle/>
+              <a:p>
+                <a:pPr algn="ctr"/>
+                <a:endParaRPr lang="en-GB"/>
+              </a:p>
+            </p:txBody>
+          </p:sp>
+        </p:grpSp>
         <p:sp>
           <p:nvSpPr>
-            <p:cNvPr id="3" name="Flowchart: Preparation 2"/>
+            <p:cNvPr id="4" name="Parallelogram 3"/>
             <p:cNvSpPr/>
             <p:nvPr/>
           </p:nvSpPr>
           <p:spPr>
             <a:xfrm>
-              <a:off x="642910" y="2285992"/>
-              <a:ext cx="8072494" cy="2000264"/>
+              <a:off x="2428860" y="1214422"/>
+              <a:ext cx="4071966" cy="4000528"/>
             </a:xfrm>
-            <a:prstGeom prst="flowChartPreparation">
-              <a:avLst/>
+            <a:prstGeom prst="parallelogram">
+              <a:avLst>
+                <a:gd name="adj" fmla="val 28517"/>
+              </a:avLst>
             </a:prstGeom>
             <a:solidFill>
-              <a:schemeClr val="bg1"/>
+              <a:srgbClr val="FFC000"/>
             </a:solidFill>
           </p:spPr>
           <p:style>
@@ -3807,175 +4179,150 @@
             </a:p>
           </p:txBody>
         </p:sp>
-        <p:sp>
-          <p:nvSpPr>
-            <p:cNvPr id="4" name="Flowchart: Preparation 3"/>
-            <p:cNvSpPr/>
+        <p:grpSp>
+          <p:nvGrpSpPr>
+            <p:cNvPr id="14" name="Group 13"/>
+            <p:cNvGrpSpPr/>
             <p:nvPr/>
-          </p:nvSpPr>
-          <p:spPr>
+          </p:nvGrpSpPr>
+          <p:grpSpPr>
             <a:xfrm>
-              <a:off x="928662" y="2428868"/>
-              <a:ext cx="7500990" cy="1714512"/>
+              <a:off x="2000232" y="5000636"/>
+              <a:ext cx="3786214" cy="714380"/>
+              <a:chOff x="2000232" y="5000636"/>
+              <a:chExt cx="3786214" cy="714380"/>
             </a:xfrm>
-            <a:prstGeom prst="flowChartPreparation">
-              <a:avLst/>
-            </a:prstGeom>
-            <a:solidFill>
-              <a:srgbClr val="FF0000"/>
-            </a:solidFill>
-          </p:spPr>
-          <p:style>
-            <a:lnRef idx="2">
-              <a:schemeClr val="accent1">
-                <a:shade val="50000"/>
-              </a:schemeClr>
-            </a:lnRef>
-            <a:fillRef idx="1">
-              <a:schemeClr val="accent1"/>
-            </a:fillRef>
-            <a:effectRef idx="0">
-              <a:schemeClr val="accent1"/>
-            </a:effectRef>
-            <a:fontRef idx="minor">
-              <a:schemeClr val="lt1"/>
-            </a:fontRef>
-          </p:style>
-          <p:txBody>
-            <a:bodyPr rtlCol="0" anchor="ctr"/>
-            <a:lstStyle/>
-            <a:p>
-              <a:pPr algn="ctr"/>
-              <a:endParaRPr lang="en-GB"/>
-            </a:p>
-          </p:txBody>
-        </p:sp>
-      </p:grpSp>
-    </p:spTree>
-  </p:cSld>
-  <p:clrMapOvr>
-    <a:masterClrMapping/>
-  </p:clrMapOvr>
-</p:sld>
-</file>
-
-<file path=ppt/slides/slide4.xml><?xml version="1.0" encoding="utf-8"?>
-<p:sld xmlns:a="http://schemas.openxmlformats.org/drawingml/2006/main" xmlns:r="http://schemas.openxmlformats.org/officeDocument/2006/relationships" xmlns:p="http://schemas.openxmlformats.org/presentationml/2006/main">
-  <p:cSld>
-    <p:spTree>
-      <p:nvGrpSpPr>
-        <p:cNvPr id="1" name=""/>
-        <p:cNvGrpSpPr/>
-        <p:nvPr/>
-      </p:nvGrpSpPr>
-      <p:grpSpPr>
-        <a:xfrm>
-          <a:off x="0" y="0"/>
-          <a:ext cx="0" cy="0"/>
-          <a:chOff x="0" y="0"/>
-          <a:chExt cx="0" cy="0"/>
-        </a:xfrm>
-      </p:grpSpPr>
-      <p:grpSp>
-        <p:nvGrpSpPr>
-          <p:cNvPr id="4" name="Group 3"/>
-          <p:cNvGrpSpPr/>
-          <p:nvPr/>
-        </p:nvGrpSpPr>
-        <p:grpSpPr>
-          <a:xfrm>
-            <a:off x="642910" y="2285992"/>
-            <a:ext cx="8072494" cy="2000264"/>
-            <a:chOff x="642910" y="2285992"/>
-            <a:chExt cx="8072494" cy="2000264"/>
-          </a:xfrm>
-        </p:grpSpPr>
-        <p:sp>
-          <p:nvSpPr>
-            <p:cNvPr id="2" name="Flowchart: Preparation 1"/>
-            <p:cNvSpPr/>
-            <p:nvPr/>
-          </p:nvSpPr>
-          <p:spPr>
-            <a:xfrm>
-              <a:off x="642910" y="2285992"/>
-              <a:ext cx="8072494" cy="2000264"/>
-            </a:xfrm>
-            <a:prstGeom prst="flowChartPreparation">
-              <a:avLst/>
-            </a:prstGeom>
-            <a:solidFill>
-              <a:schemeClr val="bg1"/>
-            </a:solidFill>
-          </p:spPr>
-          <p:style>
-            <a:lnRef idx="2">
-              <a:schemeClr val="accent1">
-                <a:shade val="50000"/>
-              </a:schemeClr>
-            </a:lnRef>
-            <a:fillRef idx="1">
-              <a:schemeClr val="accent1"/>
-            </a:fillRef>
-            <a:effectRef idx="0">
-              <a:schemeClr val="accent1"/>
-            </a:effectRef>
-            <a:fontRef idx="minor">
-              <a:schemeClr val="lt1"/>
-            </a:fontRef>
-          </p:style>
-          <p:txBody>
-            <a:bodyPr rtlCol="0" anchor="ctr"/>
-            <a:lstStyle/>
-            <a:p>
-              <a:pPr algn="ctr"/>
-              <a:endParaRPr lang="en-GB"/>
-            </a:p>
-          </p:txBody>
-        </p:sp>
-        <p:sp>
-          <p:nvSpPr>
-            <p:cNvPr id="3" name="Flowchart: Preparation 2"/>
-            <p:cNvSpPr/>
-            <p:nvPr/>
-          </p:nvSpPr>
-          <p:spPr>
-            <a:xfrm>
-              <a:off x="928662" y="2428868"/>
-              <a:ext cx="7500990" cy="1714512"/>
-            </a:xfrm>
-            <a:prstGeom prst="flowChartPreparation">
-              <a:avLst/>
-            </a:prstGeom>
-            <a:solidFill>
-              <a:srgbClr val="64FA32"/>
-            </a:solidFill>
-          </p:spPr>
-          <p:style>
-            <a:lnRef idx="2">
-              <a:schemeClr val="accent1">
-                <a:shade val="50000"/>
-              </a:schemeClr>
-            </a:lnRef>
-            <a:fillRef idx="1">
-              <a:schemeClr val="accent1"/>
-            </a:fillRef>
-            <a:effectRef idx="0">
-              <a:schemeClr val="accent1"/>
-            </a:effectRef>
-            <a:fontRef idx="minor">
-              <a:schemeClr val="lt1"/>
-            </a:fontRef>
-          </p:style>
-          <p:txBody>
-            <a:bodyPr rtlCol="0" anchor="ctr"/>
-            <a:lstStyle/>
-            <a:p>
-              <a:pPr algn="ctr"/>
-              <a:endParaRPr lang="en-GB"/>
-            </a:p>
-          </p:txBody>
-        </p:sp>
+          </p:grpSpPr>
+          <p:sp>
+            <p:nvSpPr>
+              <p:cNvPr id="6" name="Rounded Rectangle 5"/>
+              <p:cNvSpPr/>
+              <p:nvPr/>
+            </p:nvSpPr>
+            <p:spPr>
+              <a:xfrm>
+                <a:off x="2143108" y="5214950"/>
+                <a:ext cx="3500462" cy="214314"/>
+              </a:xfrm>
+              <a:prstGeom prst="roundRect">
+                <a:avLst/>
+              </a:prstGeom>
+              <a:solidFill>
+                <a:srgbClr val="FD1301"/>
+              </a:solidFill>
+            </p:spPr>
+            <p:style>
+              <a:lnRef idx="2">
+                <a:schemeClr val="accent1">
+                  <a:shade val="50000"/>
+                </a:schemeClr>
+              </a:lnRef>
+              <a:fillRef idx="1">
+                <a:schemeClr val="accent1"/>
+              </a:fillRef>
+              <a:effectRef idx="0">
+                <a:schemeClr val="accent1"/>
+              </a:effectRef>
+              <a:fontRef idx="minor">
+                <a:schemeClr val="lt1"/>
+              </a:fontRef>
+            </p:style>
+            <p:txBody>
+              <a:bodyPr rtlCol="0" anchor="ctr"/>
+              <a:lstStyle/>
+              <a:p>
+                <a:pPr algn="ctr"/>
+                <a:endParaRPr lang="en-GB"/>
+              </a:p>
+            </p:txBody>
+          </p:sp>
+          <p:sp>
+            <p:nvSpPr>
+              <p:cNvPr id="7" name="Oval 6"/>
+              <p:cNvSpPr/>
+              <p:nvPr/>
+            </p:nvSpPr>
+            <p:spPr>
+              <a:xfrm>
+                <a:off x="2000232" y="5000636"/>
+                <a:ext cx="285752" cy="714380"/>
+              </a:xfrm>
+              <a:prstGeom prst="ellipse">
+                <a:avLst/>
+              </a:prstGeom>
+              <a:solidFill>
+                <a:srgbClr val="FD1301"/>
+              </a:solidFill>
+            </p:spPr>
+            <p:style>
+              <a:lnRef idx="2">
+                <a:schemeClr val="accent1">
+                  <a:shade val="50000"/>
+                </a:schemeClr>
+              </a:lnRef>
+              <a:fillRef idx="1">
+                <a:schemeClr val="accent1"/>
+              </a:fillRef>
+              <a:effectRef idx="0">
+                <a:schemeClr val="accent1"/>
+              </a:effectRef>
+              <a:fontRef idx="minor">
+                <a:schemeClr val="lt1"/>
+              </a:fontRef>
+            </p:style>
+            <p:txBody>
+              <a:bodyPr rtlCol="0" anchor="ctr"/>
+              <a:lstStyle/>
+              <a:p>
+                <a:pPr algn="ctr"/>
+                <a:endParaRPr lang="en-GB"/>
+              </a:p>
+            </p:txBody>
+          </p:sp>
+          <p:sp>
+            <p:nvSpPr>
+              <p:cNvPr id="8" name="Oval 7"/>
+              <p:cNvSpPr/>
+              <p:nvPr/>
+            </p:nvSpPr>
+            <p:spPr>
+              <a:xfrm>
+                <a:off x="5500694" y="5000636"/>
+                <a:ext cx="285752" cy="714380"/>
+              </a:xfrm>
+              <a:prstGeom prst="ellipse">
+                <a:avLst/>
+              </a:prstGeom>
+              <a:solidFill>
+                <a:srgbClr val="FD1301"/>
+              </a:solidFill>
+            </p:spPr>
+            <p:style>
+              <a:lnRef idx="2">
+                <a:schemeClr val="accent1">
+                  <a:shade val="50000"/>
+                </a:schemeClr>
+              </a:lnRef>
+              <a:fillRef idx="1">
+                <a:schemeClr val="accent1"/>
+              </a:fillRef>
+              <a:effectRef idx="0">
+                <a:schemeClr val="accent1"/>
+              </a:effectRef>
+              <a:fontRef idx="minor">
+                <a:schemeClr val="lt1"/>
+              </a:fontRef>
+            </p:style>
+            <p:txBody>
+              <a:bodyPr rtlCol="0" anchor="ctr"/>
+              <a:lstStyle/>
+              <a:p>
+                <a:pPr algn="ctr"/>
+                <a:endParaRPr lang="en-GB"/>
+              </a:p>
+            </p:txBody>
+          </p:sp>
+        </p:grpSp>
       </p:grpSp>
     </p:spTree>
   </p:cSld>

--- a/MyResources/Photos/option_button_background.pptx
+++ b/MyResources/Photos/option_button_background.pptx
@@ -5,7 +5,7 @@
     <p:sldMasterId id="2147483648" r:id="rId1"/>
   </p:sldMasterIdLst>
   <p:notesMasterIdLst>
-    <p:notesMasterId r:id="rId7"/>
+    <p:notesMasterId r:id="rId8"/>
   </p:notesMasterIdLst>
   <p:sldIdLst>
     <p:sldId id="256" r:id="rId2"/>
@@ -13,6 +13,7 @@
     <p:sldId id="258" r:id="rId4"/>
     <p:sldId id="259" r:id="rId5"/>
     <p:sldId id="260" r:id="rId6"/>
+    <p:sldId id="261" r:id="rId7"/>
   </p:sldIdLst>
   <p:sldSz cx="9144000" cy="6858000" type="screen4x3"/>
   <p:notesSz cx="6858000" cy="9144000"/>
@@ -197,7 +198,7 @@
             <a:fld id="{2595E8A8-9250-489E-9196-FEE9510F4750}" type="datetimeFigureOut">
               <a:rPr lang="en-US" smtClean="0"/>
               <a:pPr/>
-              <a:t>10/6/2014</a:t>
+              <a:t>10/8/2014</a:t>
             </a:fld>
             <a:endParaRPr lang="en-GB"/>
           </a:p>
@@ -727,7 +728,7 @@
             <a:fld id="{182DCE58-1EE4-4F6A-9F88-9A98213D1664}" type="datetimeFigureOut">
               <a:rPr lang="en-US" smtClean="0"/>
               <a:pPr/>
-              <a:t>10/6/2014</a:t>
+              <a:t>10/8/2014</a:t>
             </a:fld>
             <a:endParaRPr lang="en-GB"/>
           </a:p>
@@ -894,7 +895,7 @@
             <a:fld id="{182DCE58-1EE4-4F6A-9F88-9A98213D1664}" type="datetimeFigureOut">
               <a:rPr lang="en-US" smtClean="0"/>
               <a:pPr/>
-              <a:t>10/6/2014</a:t>
+              <a:t>10/8/2014</a:t>
             </a:fld>
             <a:endParaRPr lang="en-GB"/>
           </a:p>
@@ -1071,7 +1072,7 @@
             <a:fld id="{182DCE58-1EE4-4F6A-9F88-9A98213D1664}" type="datetimeFigureOut">
               <a:rPr lang="en-US" smtClean="0"/>
               <a:pPr/>
-              <a:t>10/6/2014</a:t>
+              <a:t>10/8/2014</a:t>
             </a:fld>
             <a:endParaRPr lang="en-GB"/>
           </a:p>
@@ -1238,7 +1239,7 @@
             <a:fld id="{182DCE58-1EE4-4F6A-9F88-9A98213D1664}" type="datetimeFigureOut">
               <a:rPr lang="en-US" smtClean="0"/>
               <a:pPr/>
-              <a:t>10/6/2014</a:t>
+              <a:t>10/8/2014</a:t>
             </a:fld>
             <a:endParaRPr lang="en-GB"/>
           </a:p>
@@ -1481,7 +1482,7 @@
             <a:fld id="{182DCE58-1EE4-4F6A-9F88-9A98213D1664}" type="datetimeFigureOut">
               <a:rPr lang="en-US" smtClean="0"/>
               <a:pPr/>
-              <a:t>10/6/2014</a:t>
+              <a:t>10/8/2014</a:t>
             </a:fld>
             <a:endParaRPr lang="en-GB"/>
           </a:p>
@@ -1766,7 +1767,7 @@
             <a:fld id="{182DCE58-1EE4-4F6A-9F88-9A98213D1664}" type="datetimeFigureOut">
               <a:rPr lang="en-US" smtClean="0"/>
               <a:pPr/>
-              <a:t>10/6/2014</a:t>
+              <a:t>10/8/2014</a:t>
             </a:fld>
             <a:endParaRPr lang="en-GB"/>
           </a:p>
@@ -2185,7 +2186,7 @@
             <a:fld id="{182DCE58-1EE4-4F6A-9F88-9A98213D1664}" type="datetimeFigureOut">
               <a:rPr lang="en-US" smtClean="0"/>
               <a:pPr/>
-              <a:t>10/6/2014</a:t>
+              <a:t>10/8/2014</a:t>
             </a:fld>
             <a:endParaRPr lang="en-GB"/>
           </a:p>
@@ -2300,7 +2301,7 @@
             <a:fld id="{182DCE58-1EE4-4F6A-9F88-9A98213D1664}" type="datetimeFigureOut">
               <a:rPr lang="en-US" smtClean="0"/>
               <a:pPr/>
-              <a:t>10/6/2014</a:t>
+              <a:t>10/8/2014</a:t>
             </a:fld>
             <a:endParaRPr lang="en-GB"/>
           </a:p>
@@ -2392,7 +2393,7 @@
             <a:fld id="{182DCE58-1EE4-4F6A-9F88-9A98213D1664}" type="datetimeFigureOut">
               <a:rPr lang="en-US" smtClean="0"/>
               <a:pPr/>
-              <a:t>10/6/2014</a:t>
+              <a:t>10/8/2014</a:t>
             </a:fld>
             <a:endParaRPr lang="en-GB"/>
           </a:p>
@@ -2666,7 +2667,7 @@
             <a:fld id="{182DCE58-1EE4-4F6A-9F88-9A98213D1664}" type="datetimeFigureOut">
               <a:rPr lang="en-US" smtClean="0"/>
               <a:pPr/>
-              <a:t>10/6/2014</a:t>
+              <a:t>10/8/2014</a:t>
             </a:fld>
             <a:endParaRPr lang="en-GB"/>
           </a:p>
@@ -2916,7 +2917,7 @@
             <a:fld id="{182DCE58-1EE4-4F6A-9F88-9A98213D1664}" type="datetimeFigureOut">
               <a:rPr lang="en-US" smtClean="0"/>
               <a:pPr/>
-              <a:t>10/6/2014</a:t>
+              <a:t>10/8/2014</a:t>
             </a:fld>
             <a:endParaRPr lang="en-GB"/>
           </a:p>
@@ -3126,7 +3127,7 @@
             <a:fld id="{182DCE58-1EE4-4F6A-9F88-9A98213D1664}" type="datetimeFigureOut">
               <a:rPr lang="en-US" smtClean="0"/>
               <a:pPr/>
-              <a:t>10/6/2014</a:t>
+              <a:t>10/8/2014</a:t>
             </a:fld>
             <a:endParaRPr lang="en-GB"/>
           </a:p>
@@ -4324,6 +4325,81 @@
           </p:sp>
         </p:grpSp>
       </p:grpSp>
+    </p:spTree>
+  </p:cSld>
+  <p:clrMapOvr>
+    <a:masterClrMapping/>
+  </p:clrMapOvr>
+</p:sld>
+</file>
+
+<file path=ppt/slides/slide6.xml><?xml version="1.0" encoding="utf-8"?>
+<p:sld xmlns:a="http://schemas.openxmlformats.org/drawingml/2006/main" xmlns:r="http://schemas.openxmlformats.org/officeDocument/2006/relationships" xmlns:p="http://schemas.openxmlformats.org/presentationml/2006/main">
+  <p:cSld>
+    <p:spTree>
+      <p:nvGrpSpPr>
+        <p:cNvPr id="1" name=""/>
+        <p:cNvGrpSpPr/>
+        <p:nvPr/>
+      </p:nvGrpSpPr>
+      <p:grpSpPr>
+        <a:xfrm>
+          <a:off x="0" y="0"/>
+          <a:ext cx="0" cy="0"/>
+          <a:chOff x="0" y="0"/>
+          <a:chExt cx="0" cy="0"/>
+        </a:xfrm>
+      </p:grpSpPr>
+      <p:sp>
+        <p:nvSpPr>
+          <p:cNvPr id="2" name="5-Point Star 1"/>
+          <p:cNvSpPr/>
+          <p:nvPr/>
+        </p:nvSpPr>
+        <p:spPr>
+          <a:xfrm>
+            <a:off x="2285984" y="2071678"/>
+            <a:ext cx="3143272" cy="2928958"/>
+          </a:xfrm>
+          <a:prstGeom prst="star5">
+            <a:avLst>
+              <a:gd name="adj" fmla="val 13885"/>
+              <a:gd name="hf" fmla="val 105146"/>
+              <a:gd name="vf" fmla="val 110557"/>
+            </a:avLst>
+          </a:prstGeom>
+          <a:solidFill>
+            <a:srgbClr val="FFFF00"/>
+          </a:solidFill>
+          <a:ln>
+            <a:noFill/>
+          </a:ln>
+        </p:spPr>
+        <p:style>
+          <a:lnRef idx="2">
+            <a:schemeClr val="accent1">
+              <a:shade val="50000"/>
+            </a:schemeClr>
+          </a:lnRef>
+          <a:fillRef idx="1">
+            <a:schemeClr val="accent1"/>
+          </a:fillRef>
+          <a:effectRef idx="0">
+            <a:schemeClr val="accent1"/>
+          </a:effectRef>
+          <a:fontRef idx="minor">
+            <a:schemeClr val="lt1"/>
+          </a:fontRef>
+        </p:style>
+        <p:txBody>
+          <a:bodyPr rtlCol="0" anchor="ctr"/>
+          <a:lstStyle/>
+          <a:p>
+            <a:pPr algn="ctr"/>
+            <a:endParaRPr lang="en-GB"/>
+          </a:p>
+        </p:txBody>
+      </p:sp>
     </p:spTree>
   </p:cSld>
   <p:clrMapOvr>
